--- a/powerpoint/3_basic_UNIX.pptx
+++ b/powerpoint/3_basic_UNIX.pptx
@@ -274,7 +274,7 @@
           <a:p>
             <a:fld id="{1E855DFA-625E-4F2B-9A42-1E05F98E1771}" type="datetimeFigureOut">
               <a:rPr lang="en-GB" smtClean="0"/>
-              <a:t>22/02/2021</a:t>
+              <a:t>01/03/2021</a:t>
             </a:fld>
             <a:endParaRPr lang="en-GB"/>
           </a:p>
@@ -474,7 +474,7 @@
           <a:p>
             <a:fld id="{1E855DFA-625E-4F2B-9A42-1E05F98E1771}" type="datetimeFigureOut">
               <a:rPr lang="en-GB" smtClean="0"/>
-              <a:t>22/02/2021</a:t>
+              <a:t>01/03/2021</a:t>
             </a:fld>
             <a:endParaRPr lang="en-GB"/>
           </a:p>
@@ -684,7 +684,7 @@
           <a:p>
             <a:fld id="{1E855DFA-625E-4F2B-9A42-1E05F98E1771}" type="datetimeFigureOut">
               <a:rPr lang="en-GB" smtClean="0"/>
-              <a:t>22/02/2021</a:t>
+              <a:t>01/03/2021</a:t>
             </a:fld>
             <a:endParaRPr lang="en-GB"/>
           </a:p>
@@ -884,7 +884,7 @@
           <a:p>
             <a:fld id="{1E855DFA-625E-4F2B-9A42-1E05F98E1771}" type="datetimeFigureOut">
               <a:rPr lang="en-GB" smtClean="0"/>
-              <a:t>22/02/2021</a:t>
+              <a:t>01/03/2021</a:t>
             </a:fld>
             <a:endParaRPr lang="en-GB"/>
           </a:p>
@@ -1160,7 +1160,7 @@
           <a:p>
             <a:fld id="{1E855DFA-625E-4F2B-9A42-1E05F98E1771}" type="datetimeFigureOut">
               <a:rPr lang="en-GB" smtClean="0"/>
-              <a:t>22/02/2021</a:t>
+              <a:t>01/03/2021</a:t>
             </a:fld>
             <a:endParaRPr lang="en-GB"/>
           </a:p>
@@ -1428,7 +1428,7 @@
           <a:p>
             <a:fld id="{1E855DFA-625E-4F2B-9A42-1E05F98E1771}" type="datetimeFigureOut">
               <a:rPr lang="en-GB" smtClean="0"/>
-              <a:t>22/02/2021</a:t>
+              <a:t>01/03/2021</a:t>
             </a:fld>
             <a:endParaRPr lang="en-GB"/>
           </a:p>
@@ -1843,7 +1843,7 @@
           <a:p>
             <a:fld id="{1E855DFA-625E-4F2B-9A42-1E05F98E1771}" type="datetimeFigureOut">
               <a:rPr lang="en-GB" smtClean="0"/>
-              <a:t>22/02/2021</a:t>
+              <a:t>01/03/2021</a:t>
             </a:fld>
             <a:endParaRPr lang="en-GB"/>
           </a:p>
@@ -1985,7 +1985,7 @@
           <a:p>
             <a:fld id="{1E855DFA-625E-4F2B-9A42-1E05F98E1771}" type="datetimeFigureOut">
               <a:rPr lang="en-GB" smtClean="0"/>
-              <a:t>22/02/2021</a:t>
+              <a:t>01/03/2021</a:t>
             </a:fld>
             <a:endParaRPr lang="en-GB"/>
           </a:p>
@@ -2098,7 +2098,7 @@
           <a:p>
             <a:fld id="{1E855DFA-625E-4F2B-9A42-1E05F98E1771}" type="datetimeFigureOut">
               <a:rPr lang="en-GB" smtClean="0"/>
-              <a:t>22/02/2021</a:t>
+              <a:t>01/03/2021</a:t>
             </a:fld>
             <a:endParaRPr lang="en-GB"/>
           </a:p>
@@ -2411,7 +2411,7 @@
           <a:p>
             <a:fld id="{1E855DFA-625E-4F2B-9A42-1E05F98E1771}" type="datetimeFigureOut">
               <a:rPr lang="en-GB" smtClean="0"/>
-              <a:t>22/02/2021</a:t>
+              <a:t>01/03/2021</a:t>
             </a:fld>
             <a:endParaRPr lang="en-GB"/>
           </a:p>
@@ -2700,7 +2700,7 @@
           <a:p>
             <a:fld id="{1E855DFA-625E-4F2B-9A42-1E05F98E1771}" type="datetimeFigureOut">
               <a:rPr lang="en-GB" smtClean="0"/>
-              <a:t>22/02/2021</a:t>
+              <a:t>01/03/2021</a:t>
             </a:fld>
             <a:endParaRPr lang="en-GB"/>
           </a:p>
@@ -2943,7 +2943,7 @@
           <a:p>
             <a:fld id="{1E855DFA-625E-4F2B-9A42-1E05F98E1771}" type="datetimeFigureOut">
               <a:rPr lang="en-GB" smtClean="0"/>
-              <a:t>22/02/2021</a:t>
+              <a:t>01/03/2021</a:t>
             </a:fld>
             <a:endParaRPr lang="en-GB"/>
           </a:p>
@@ -6195,7 +6195,7 @@
                   <a:srgbClr val="0070C0"/>
                 </a:solidFill>
               </a:rPr>
-              <a:t>cp –</a:t>
+              <a:t>cp -</a:t>
             </a:r>
             <a:r>
               <a:rPr lang="en-GB" dirty="0" err="1">
@@ -6458,7 +6458,7 @@
         <p:spPr>
           <a:xfrm>
             <a:off x="158750" y="1383364"/>
-            <a:ext cx="11083290" cy="679116"/>
+            <a:ext cx="11228118" cy="894010"/>
           </a:xfrm>
           <a:prstGeom prst="rect">
             <a:avLst/>
@@ -6637,7 +6637,7 @@
                   <a:srgbClr val="0070C0"/>
                 </a:solidFill>
               </a:rPr>
-              <a:t>cp –</a:t>
+              <a:t>cp -</a:t>
             </a:r>
             <a:r>
               <a:rPr lang="en-GB" sz="2400" dirty="0" err="1">

--- a/powerpoint/3_basic_UNIX.pptx
+++ b/powerpoint/3_basic_UNIX.pptx
@@ -274,7 +274,7 @@
           <a:p>
             <a:fld id="{1E855DFA-625E-4F2B-9A42-1E05F98E1771}" type="datetimeFigureOut">
               <a:rPr lang="en-GB" smtClean="0"/>
-              <a:t>01/03/2021</a:t>
+              <a:t>10/03/2021</a:t>
             </a:fld>
             <a:endParaRPr lang="en-GB"/>
           </a:p>
@@ -474,7 +474,7 @@
           <a:p>
             <a:fld id="{1E855DFA-625E-4F2B-9A42-1E05F98E1771}" type="datetimeFigureOut">
               <a:rPr lang="en-GB" smtClean="0"/>
-              <a:t>01/03/2021</a:t>
+              <a:t>10/03/2021</a:t>
             </a:fld>
             <a:endParaRPr lang="en-GB"/>
           </a:p>
@@ -684,7 +684,7 @@
           <a:p>
             <a:fld id="{1E855DFA-625E-4F2B-9A42-1E05F98E1771}" type="datetimeFigureOut">
               <a:rPr lang="en-GB" smtClean="0"/>
-              <a:t>01/03/2021</a:t>
+              <a:t>10/03/2021</a:t>
             </a:fld>
             <a:endParaRPr lang="en-GB"/>
           </a:p>
@@ -884,7 +884,7 @@
           <a:p>
             <a:fld id="{1E855DFA-625E-4F2B-9A42-1E05F98E1771}" type="datetimeFigureOut">
               <a:rPr lang="en-GB" smtClean="0"/>
-              <a:t>01/03/2021</a:t>
+              <a:t>10/03/2021</a:t>
             </a:fld>
             <a:endParaRPr lang="en-GB"/>
           </a:p>
@@ -1160,7 +1160,7 @@
           <a:p>
             <a:fld id="{1E855DFA-625E-4F2B-9A42-1E05F98E1771}" type="datetimeFigureOut">
               <a:rPr lang="en-GB" smtClean="0"/>
-              <a:t>01/03/2021</a:t>
+              <a:t>10/03/2021</a:t>
             </a:fld>
             <a:endParaRPr lang="en-GB"/>
           </a:p>
@@ -1428,7 +1428,7 @@
           <a:p>
             <a:fld id="{1E855DFA-625E-4F2B-9A42-1E05F98E1771}" type="datetimeFigureOut">
               <a:rPr lang="en-GB" smtClean="0"/>
-              <a:t>01/03/2021</a:t>
+              <a:t>10/03/2021</a:t>
             </a:fld>
             <a:endParaRPr lang="en-GB"/>
           </a:p>
@@ -1843,7 +1843,7 @@
           <a:p>
             <a:fld id="{1E855DFA-625E-4F2B-9A42-1E05F98E1771}" type="datetimeFigureOut">
               <a:rPr lang="en-GB" smtClean="0"/>
-              <a:t>01/03/2021</a:t>
+              <a:t>10/03/2021</a:t>
             </a:fld>
             <a:endParaRPr lang="en-GB"/>
           </a:p>
@@ -1985,7 +1985,7 @@
           <a:p>
             <a:fld id="{1E855DFA-625E-4F2B-9A42-1E05F98E1771}" type="datetimeFigureOut">
               <a:rPr lang="en-GB" smtClean="0"/>
-              <a:t>01/03/2021</a:t>
+              <a:t>10/03/2021</a:t>
             </a:fld>
             <a:endParaRPr lang="en-GB"/>
           </a:p>
@@ -2098,7 +2098,7 @@
           <a:p>
             <a:fld id="{1E855DFA-625E-4F2B-9A42-1E05F98E1771}" type="datetimeFigureOut">
               <a:rPr lang="en-GB" smtClean="0"/>
-              <a:t>01/03/2021</a:t>
+              <a:t>10/03/2021</a:t>
             </a:fld>
             <a:endParaRPr lang="en-GB"/>
           </a:p>
@@ -2411,7 +2411,7 @@
           <a:p>
             <a:fld id="{1E855DFA-625E-4F2B-9A42-1E05F98E1771}" type="datetimeFigureOut">
               <a:rPr lang="en-GB" smtClean="0"/>
-              <a:t>01/03/2021</a:t>
+              <a:t>10/03/2021</a:t>
             </a:fld>
             <a:endParaRPr lang="en-GB"/>
           </a:p>
@@ -2700,7 +2700,7 @@
           <a:p>
             <a:fld id="{1E855DFA-625E-4F2B-9A42-1E05F98E1771}" type="datetimeFigureOut">
               <a:rPr lang="en-GB" smtClean="0"/>
-              <a:t>01/03/2021</a:t>
+              <a:t>10/03/2021</a:t>
             </a:fld>
             <a:endParaRPr lang="en-GB"/>
           </a:p>
@@ -2943,7 +2943,7 @@
           <a:p>
             <a:fld id="{1E855DFA-625E-4F2B-9A42-1E05F98E1771}" type="datetimeFigureOut">
               <a:rPr lang="en-GB" smtClean="0"/>
-              <a:t>01/03/2021</a:t>
+              <a:t>10/03/2021</a:t>
             </a:fld>
             <a:endParaRPr lang="en-GB"/>
           </a:p>
@@ -3427,12 +3427,6 @@
           <a:p>
             <a:endParaRPr lang="en-GB" dirty="0"/>
           </a:p>
-          <a:p>
-            <a:r>
-              <a:rPr lang="en-GB" b="1" dirty="0"/>
-              <a:t>AS YOU HAVE DONE UNIX WORKSHOP – we will end this here, you can always look back at it. </a:t>
-            </a:r>
-          </a:p>
         </p:txBody>
       </p:sp>
     </p:spTree>

--- a/powerpoint/3_basic_UNIX.pptx
+++ b/powerpoint/3_basic_UNIX.pptx
@@ -16,9 +16,10 @@
     <p:sldId id="333" r:id="rId10"/>
     <p:sldId id="334" r:id="rId11"/>
     <p:sldId id="306" r:id="rId12"/>
-    <p:sldId id="266" r:id="rId13"/>
-    <p:sldId id="267" r:id="rId14"/>
-    <p:sldId id="331" r:id="rId15"/>
+    <p:sldId id="338" r:id="rId13"/>
+    <p:sldId id="266" r:id="rId14"/>
+    <p:sldId id="267" r:id="rId15"/>
+    <p:sldId id="331" r:id="rId16"/>
   </p:sldIdLst>
   <p:sldSz cx="12192000" cy="6858000"/>
   <p:notesSz cx="6858000" cy="9144000"/>
@@ -274,7 +275,7 @@
           <a:p>
             <a:fld id="{1E855DFA-625E-4F2B-9A42-1E05F98E1771}" type="datetimeFigureOut">
               <a:rPr lang="en-GB" smtClean="0"/>
-              <a:t>10/03/2021</a:t>
+              <a:t>10/03/2022</a:t>
             </a:fld>
             <a:endParaRPr lang="en-GB"/>
           </a:p>
@@ -474,7 +475,7 @@
           <a:p>
             <a:fld id="{1E855DFA-625E-4F2B-9A42-1E05F98E1771}" type="datetimeFigureOut">
               <a:rPr lang="en-GB" smtClean="0"/>
-              <a:t>10/03/2021</a:t>
+              <a:t>10/03/2022</a:t>
             </a:fld>
             <a:endParaRPr lang="en-GB"/>
           </a:p>
@@ -684,7 +685,7 @@
           <a:p>
             <a:fld id="{1E855DFA-625E-4F2B-9A42-1E05F98E1771}" type="datetimeFigureOut">
               <a:rPr lang="en-GB" smtClean="0"/>
-              <a:t>10/03/2021</a:t>
+              <a:t>10/03/2022</a:t>
             </a:fld>
             <a:endParaRPr lang="en-GB"/>
           </a:p>
@@ -884,7 +885,7 @@
           <a:p>
             <a:fld id="{1E855DFA-625E-4F2B-9A42-1E05F98E1771}" type="datetimeFigureOut">
               <a:rPr lang="en-GB" smtClean="0"/>
-              <a:t>10/03/2021</a:t>
+              <a:t>10/03/2022</a:t>
             </a:fld>
             <a:endParaRPr lang="en-GB"/>
           </a:p>
@@ -1160,7 +1161,7 @@
           <a:p>
             <a:fld id="{1E855DFA-625E-4F2B-9A42-1E05F98E1771}" type="datetimeFigureOut">
               <a:rPr lang="en-GB" smtClean="0"/>
-              <a:t>10/03/2021</a:t>
+              <a:t>10/03/2022</a:t>
             </a:fld>
             <a:endParaRPr lang="en-GB"/>
           </a:p>
@@ -1428,7 +1429,7 @@
           <a:p>
             <a:fld id="{1E855DFA-625E-4F2B-9A42-1E05F98E1771}" type="datetimeFigureOut">
               <a:rPr lang="en-GB" smtClean="0"/>
-              <a:t>10/03/2021</a:t>
+              <a:t>10/03/2022</a:t>
             </a:fld>
             <a:endParaRPr lang="en-GB"/>
           </a:p>
@@ -1843,7 +1844,7 @@
           <a:p>
             <a:fld id="{1E855DFA-625E-4F2B-9A42-1E05F98E1771}" type="datetimeFigureOut">
               <a:rPr lang="en-GB" smtClean="0"/>
-              <a:t>10/03/2021</a:t>
+              <a:t>10/03/2022</a:t>
             </a:fld>
             <a:endParaRPr lang="en-GB"/>
           </a:p>
@@ -1985,7 +1986,7 @@
           <a:p>
             <a:fld id="{1E855DFA-625E-4F2B-9A42-1E05F98E1771}" type="datetimeFigureOut">
               <a:rPr lang="en-GB" smtClean="0"/>
-              <a:t>10/03/2021</a:t>
+              <a:t>10/03/2022</a:t>
             </a:fld>
             <a:endParaRPr lang="en-GB"/>
           </a:p>
@@ -2098,7 +2099,7 @@
           <a:p>
             <a:fld id="{1E855DFA-625E-4F2B-9A42-1E05F98E1771}" type="datetimeFigureOut">
               <a:rPr lang="en-GB" smtClean="0"/>
-              <a:t>10/03/2021</a:t>
+              <a:t>10/03/2022</a:t>
             </a:fld>
             <a:endParaRPr lang="en-GB"/>
           </a:p>
@@ -2411,7 +2412,7 @@
           <a:p>
             <a:fld id="{1E855DFA-625E-4F2B-9A42-1E05F98E1771}" type="datetimeFigureOut">
               <a:rPr lang="en-GB" smtClean="0"/>
-              <a:t>10/03/2021</a:t>
+              <a:t>10/03/2022</a:t>
             </a:fld>
             <a:endParaRPr lang="en-GB"/>
           </a:p>
@@ -2700,7 +2701,7 @@
           <a:p>
             <a:fld id="{1E855DFA-625E-4F2B-9A42-1E05F98E1771}" type="datetimeFigureOut">
               <a:rPr lang="en-GB" smtClean="0"/>
-              <a:t>10/03/2021</a:t>
+              <a:t>10/03/2022</a:t>
             </a:fld>
             <a:endParaRPr lang="en-GB"/>
           </a:p>
@@ -2943,7 +2944,7 @@
           <a:p>
             <a:fld id="{1E855DFA-625E-4F2B-9A42-1E05F98E1771}" type="datetimeFigureOut">
               <a:rPr lang="en-GB" smtClean="0"/>
-              <a:t>10/03/2021</a:t>
+              <a:t>10/03/2022</a:t>
             </a:fld>
             <a:endParaRPr lang="en-GB"/>
           </a:p>
@@ -4306,6 +4307,258 @@
           <p:cNvPr id="2" name="Title 1">
             <a:extLst>
               <a:ext uri="{FF2B5EF4-FFF2-40B4-BE49-F238E27FC236}">
+                <a16:creationId xmlns:a16="http://schemas.microsoft.com/office/drawing/2014/main" id="{8A861FC2-3ADA-4FF4-86A6-E81D0CA57317}"/>
+              </a:ext>
+            </a:extLst>
+          </p:cNvPr>
+          <p:cNvSpPr>
+            <a:spLocks noGrp="1"/>
+          </p:cNvSpPr>
+          <p:nvPr>
+            <p:ph type="title"/>
+          </p:nvPr>
+        </p:nvSpPr>
+        <p:spPr>
+          <a:xfrm>
+            <a:off x="389021" y="124494"/>
+            <a:ext cx="10515600" cy="1325563"/>
+          </a:xfrm>
+        </p:spPr>
+        <p:txBody>
+          <a:bodyPr/>
+          <a:lstStyle/>
+          <a:p>
+            <a:r>
+              <a:rPr lang="en-GB" dirty="0"/>
+              <a:t>More fancy and </a:t>
+            </a:r>
+            <a:r>
+              <a:rPr lang="en-GB" dirty="0" err="1"/>
+              <a:t>reboust</a:t>
+            </a:r>
+            <a:r>
+              <a:rPr lang="en-GB" dirty="0"/>
+              <a:t> way of counting the reads in all files in a directory</a:t>
+            </a:r>
+          </a:p>
+        </p:txBody>
+      </p:sp>
+      <p:sp>
+        <p:nvSpPr>
+          <p:cNvPr id="3" name="Content Placeholder 2">
+            <a:extLst>
+              <a:ext uri="{FF2B5EF4-FFF2-40B4-BE49-F238E27FC236}">
+                <a16:creationId xmlns:a16="http://schemas.microsoft.com/office/drawing/2014/main" id="{C2FC134D-DB11-4E69-912B-582015DC7EDD}"/>
+              </a:ext>
+            </a:extLst>
+          </p:cNvPr>
+          <p:cNvSpPr>
+            <a:spLocks noGrp="1"/>
+          </p:cNvSpPr>
+          <p:nvPr>
+            <p:ph idx="1"/>
+          </p:nvPr>
+        </p:nvSpPr>
+        <p:spPr>
+          <a:xfrm>
+            <a:off x="260683" y="1601705"/>
+            <a:ext cx="11257547" cy="5278605"/>
+          </a:xfrm>
+        </p:spPr>
+        <p:txBody>
+          <a:bodyPr/>
+          <a:lstStyle/>
+          <a:p>
+            <a:pPr marL="0" indent="0">
+              <a:buNone/>
+            </a:pPr>
+            <a:r>
+              <a:rPr lang="en-GB" dirty="0"/>
+              <a:t>In the previous example we “grepped for a specific string. This changes between data sets, so will not always work. This example will make sense as we go through the material</a:t>
+            </a:r>
+          </a:p>
+          <a:p>
+            <a:pPr marL="0" indent="0">
+              <a:buNone/>
+            </a:pPr>
+            <a:endParaRPr lang="en-GB" dirty="0"/>
+          </a:p>
+          <a:p>
+            <a:pPr marL="0" indent="0">
+              <a:buNone/>
+            </a:pPr>
+            <a:r>
+              <a:rPr lang="en-GB" dirty="0">
+                <a:solidFill>
+                  <a:srgbClr val="FF0000"/>
+                </a:solidFill>
+              </a:rPr>
+              <a:t>files=*R1.fastq.gz</a:t>
+            </a:r>
+          </a:p>
+          <a:p>
+            <a:pPr marL="0" indent="0">
+              <a:buNone/>
+            </a:pPr>
+            <a:r>
+              <a:rPr lang="en-GB" dirty="0">
+                <a:solidFill>
+                  <a:srgbClr val="FF0000"/>
+                </a:solidFill>
+              </a:rPr>
+              <a:t>for f in ${files}</a:t>
+            </a:r>
+          </a:p>
+          <a:p>
+            <a:pPr marL="0" indent="0">
+              <a:buNone/>
+            </a:pPr>
+            <a:r>
+              <a:rPr lang="en-GB" dirty="0">
+                <a:solidFill>
+                  <a:srgbClr val="FF0000"/>
+                </a:solidFill>
+              </a:rPr>
+              <a:t>do    </a:t>
+            </a:r>
+          </a:p>
+          <a:p>
+            <a:pPr marL="0" indent="0">
+              <a:buNone/>
+            </a:pPr>
+            <a:r>
+              <a:rPr lang="en-GB" dirty="0">
+                <a:solidFill>
+                  <a:srgbClr val="FF0000"/>
+                </a:solidFill>
+              </a:rPr>
+              <a:t>	echo ${f} &gt;&gt; </a:t>
+            </a:r>
+            <a:r>
+              <a:rPr lang="en-GB" dirty="0" err="1">
+                <a:solidFill>
+                  <a:srgbClr val="FF0000"/>
+                </a:solidFill>
+              </a:rPr>
+              <a:t>read_pairs.counts</a:t>
+            </a:r>
+            <a:r>
+              <a:rPr lang="en-GB" dirty="0">
+                <a:solidFill>
+                  <a:srgbClr val="FF0000"/>
+                </a:solidFill>
+              </a:rPr>
+              <a:t>    </a:t>
+            </a:r>
+          </a:p>
+          <a:p>
+            <a:pPr marL="0" indent="0">
+              <a:buNone/>
+            </a:pPr>
+            <a:r>
+              <a:rPr lang="en-GB" dirty="0">
+                <a:solidFill>
+                  <a:srgbClr val="FF0000"/>
+                </a:solidFill>
+              </a:rPr>
+              <a:t>	</a:t>
+            </a:r>
+            <a:r>
+              <a:rPr lang="en-GB" dirty="0" err="1">
+                <a:solidFill>
+                  <a:srgbClr val="FF0000"/>
+                </a:solidFill>
+              </a:rPr>
+              <a:t>zcat</a:t>
+            </a:r>
+            <a:r>
+              <a:rPr lang="en-GB" dirty="0">
+                <a:solidFill>
+                  <a:srgbClr val="FF0000"/>
+                </a:solidFill>
+              </a:rPr>
+              <a:t> ${f} | echo $((`</a:t>
+            </a:r>
+            <a:r>
+              <a:rPr lang="en-GB" dirty="0" err="1">
+                <a:solidFill>
+                  <a:srgbClr val="FF0000"/>
+                </a:solidFill>
+              </a:rPr>
+              <a:t>wc</a:t>
+            </a:r>
+            <a:r>
+              <a:rPr lang="en-GB" dirty="0">
+                <a:solidFill>
+                  <a:srgbClr val="FF0000"/>
+                </a:solidFill>
+              </a:rPr>
+              <a:t> -l`/4)) &gt;&gt; </a:t>
+            </a:r>
+            <a:r>
+              <a:rPr lang="en-GB" dirty="0" err="1">
+                <a:solidFill>
+                  <a:srgbClr val="FF0000"/>
+                </a:solidFill>
+              </a:rPr>
+              <a:t>read_pairs.counts</a:t>
+            </a:r>
+            <a:endParaRPr lang="en-GB" dirty="0">
+              <a:solidFill>
+                <a:srgbClr val="FF0000"/>
+              </a:solidFill>
+            </a:endParaRPr>
+          </a:p>
+          <a:p>
+            <a:pPr marL="0" indent="0">
+              <a:buNone/>
+            </a:pPr>
+            <a:r>
+              <a:rPr lang="en-GB" dirty="0">
+                <a:solidFill>
+                  <a:srgbClr val="FF0000"/>
+                </a:solidFill>
+              </a:rPr>
+              <a:t>done</a:t>
+            </a:r>
+          </a:p>
+        </p:txBody>
+      </p:sp>
+    </p:spTree>
+    <p:extLst>
+      <p:ext uri="{BB962C8B-B14F-4D97-AF65-F5344CB8AC3E}">
+        <p14:creationId xmlns:p14="http://schemas.microsoft.com/office/powerpoint/2010/main" val="2459021013"/>
+      </p:ext>
+    </p:extLst>
+  </p:cSld>
+  <p:clrMapOvr>
+    <a:masterClrMapping/>
+  </p:clrMapOvr>
+</p:sld>
+</file>
+
+<file path=ppt/slides/slide13.xml><?xml version="1.0" encoding="utf-8"?>
+<p:sld xmlns:a="http://schemas.openxmlformats.org/drawingml/2006/main" xmlns:r="http://schemas.openxmlformats.org/officeDocument/2006/relationships" xmlns:p="http://schemas.openxmlformats.org/presentationml/2006/main">
+  <p:cSld>
+    <p:spTree>
+      <p:nvGrpSpPr>
+        <p:cNvPr id="1" name=""/>
+        <p:cNvGrpSpPr/>
+        <p:nvPr/>
+      </p:nvGrpSpPr>
+      <p:grpSpPr>
+        <a:xfrm>
+          <a:off x="0" y="0"/>
+          <a:ext cx="0" cy="0"/>
+          <a:chOff x="0" y="0"/>
+          <a:chExt cx="0" cy="0"/>
+        </a:xfrm>
+      </p:grpSpPr>
+      <p:sp>
+        <p:nvSpPr>
+          <p:cNvPr id="2" name="Title 1">
+            <a:extLst>
+              <a:ext uri="{FF2B5EF4-FFF2-40B4-BE49-F238E27FC236}">
                 <a16:creationId xmlns:a16="http://schemas.microsoft.com/office/drawing/2014/main" id="{2FED4347-B1C2-41ED-9C8B-1320341AA7F4}"/>
               </a:ext>
             </a:extLst>
@@ -4440,7 +4693,15 @@
             </a:pPr>
             <a:r>
               <a:rPr lang="en-GB" dirty="0"/>
-              <a:t>Or in Notepad++:  Edit &gt; EOL &gt; UNIX</a:t>
+              <a:t>Or in Notepad++:  </a:t>
+            </a:r>
+            <a:r>
+              <a:rPr lang="en-GB" dirty="0">
+                <a:solidFill>
+                  <a:srgbClr val="FF0000"/>
+                </a:solidFill>
+              </a:rPr>
+              <a:t>Edit &gt; EOL &gt; UNIX</a:t>
             </a:r>
           </a:p>
           <a:p>
@@ -4571,7 +4832,7 @@
 </p:sld>
 </file>
 
-<file path=ppt/slides/slide13.xml><?xml version="1.0" encoding="utf-8"?>
+<file path=ppt/slides/slide14.xml><?xml version="1.0" encoding="utf-8"?>
 <p:sld xmlns:a="http://schemas.openxmlformats.org/drawingml/2006/main" xmlns:r="http://schemas.openxmlformats.org/officeDocument/2006/relationships" xmlns:p="http://schemas.openxmlformats.org/presentationml/2006/main">
   <p:cSld>
     <p:spTree>
@@ -4790,7 +5051,7 @@
 </p:sld>
 </file>
 
-<file path=ppt/slides/slide14.xml><?xml version="1.0" encoding="utf-8"?>
+<file path=ppt/slides/slide15.xml><?xml version="1.0" encoding="utf-8"?>
 <p:sld xmlns:a="http://schemas.openxmlformats.org/drawingml/2006/main" xmlns:r="http://schemas.openxmlformats.org/officeDocument/2006/relationships" xmlns:p="http://schemas.openxmlformats.org/presentationml/2006/main">
   <p:cSld>
     <p:spTree>
@@ -4927,7 +5188,40 @@
               </a:rPr>
               <a:t></a:t>
             </a:r>
-            <a:endParaRPr lang="en-GB" dirty="0"/>
+          </a:p>
+          <a:p>
+            <a:r>
+              <a:rPr lang="en-GB" dirty="0">
+                <a:highlight>
+                  <a:srgbClr val="FFFF00"/>
+                </a:highlight>
+                <a:sym typeface="Wingdings" panose="05000000000000000000" pitchFamily="2" charset="2"/>
+              </a:rPr>
+              <a:t>Who can tell me how to look </a:t>
+            </a:r>
+            <a:r>
+              <a:rPr lang="en-GB">
+                <a:highlight>
+                  <a:srgbClr val="FFFF00"/>
+                </a:highlight>
+                <a:sym typeface="Wingdings" panose="05000000000000000000" pitchFamily="2" charset="2"/>
+              </a:rPr>
+              <a:t>at this file </a:t>
+            </a:r>
+            <a:r>
+              <a:rPr lang="en-GB" dirty="0">
+                <a:highlight>
+                  <a:srgbClr val="FFFF00"/>
+                </a:highlight>
+                <a:sym typeface="Wingdings" panose="05000000000000000000" pitchFamily="2" charset="2"/>
+              </a:rPr>
+              <a:t>this???</a:t>
+            </a:r>
+            <a:endParaRPr lang="en-GB" dirty="0">
+              <a:highlight>
+                <a:srgbClr val="FFFF00"/>
+              </a:highlight>
+            </a:endParaRPr>
           </a:p>
         </p:txBody>
       </p:sp>
@@ -6268,11 +6562,19 @@
                   <a:srgbClr val="0070C0"/>
                 </a:solidFill>
               </a:rPr>
-              <a:t>Computational_Genomics</a:t>
-            </a:r>
-            <a:r>
-              <a:rPr lang="en-GB" dirty="0"/>
-              <a:t> and have a look at what is in here:</a:t>
+              <a:t>Msc_Digital_Health</a:t>
+            </a:r>
+            <a:r>
+              <a:rPr lang="en-GB" dirty="0">
+                <a:solidFill>
+                  <a:srgbClr val="0070C0"/>
+                </a:solidFill>
+              </a:rPr>
+              <a:t> </a:t>
+            </a:r>
+            <a:r>
+              <a:rPr lang="en-GB" dirty="0"/>
+              <a:t>and have a look at what is in here:</a:t>
             </a:r>
           </a:p>
           <a:p>
@@ -6429,8 +6731,8 @@
         </p:blipFill>
         <p:spPr>
           <a:xfrm>
-            <a:off x="5771515" y="3378170"/>
-            <a:ext cx="5470525" cy="3520308"/>
+            <a:off x="5771516" y="3871444"/>
+            <a:ext cx="4703980" cy="3027033"/>
           </a:xfrm>
           <a:prstGeom prst="rect">
             <a:avLst/>
@@ -7137,8 +7439,8 @@
         </p:nvSpPr>
         <p:spPr>
           <a:xfrm>
-            <a:off x="158750" y="659920"/>
-            <a:ext cx="10941050" cy="4351338"/>
+            <a:off x="158749" y="659919"/>
+            <a:ext cx="11661775" cy="5002943"/>
           </a:xfrm>
         </p:spPr>
         <p:txBody>
@@ -7162,7 +7464,7 @@
           <a:p>
             <a:r>
               <a:rPr lang="en-GB" dirty="0"/>
-              <a:t>Instead of writing it correctly every time, which no one can do. </a:t>
+              <a:t>Instead of writing it correctly every time, which no one can do. Some filenames can be very long or computer generated: X201SC20123959-Z01-F001_3.zip</a:t>
             </a:r>
           </a:p>
           <a:p>
@@ -7198,13 +7500,13 @@
             </a:r>
             <a:r>
               <a:rPr lang="en-GB" dirty="0"/>
-              <a:t>, then the spelling is wrong, it is not in the directory you are looking at, or there are multiple other reasons. </a:t>
-            </a:r>
-          </a:p>
-          <a:p>
-            <a:r>
-              <a:rPr lang="en-GB" dirty="0"/>
-              <a:t>Press the tab key twice to see all the possible options…. </a:t>
+              <a:t>, then the spelling is wrong, or it is not in the directory you are looking at, or there are multiple other reasons. </a:t>
+            </a:r>
+          </a:p>
+          <a:p>
+            <a:r>
+              <a:rPr lang="en-GB" dirty="0"/>
+              <a:t>Press the tab key twice to see all the possible options in the directory you are in …. </a:t>
             </a:r>
           </a:p>
         </p:txBody>

--- a/powerpoint/3_basic_UNIX.pptx
+++ b/powerpoint/3_basic_UNIX.pptx
@@ -4390,7 +4390,7 @@
             <a:r>
               <a:rPr lang="en-GB" dirty="0">
                 <a:solidFill>
-                  <a:srgbClr val="FF0000"/>
+                  <a:schemeClr val="accent1"/>
                 </a:solidFill>
               </a:rPr>
               <a:t>files=*R1.fastq.gz</a:t>
@@ -4403,7 +4403,7 @@
             <a:r>
               <a:rPr lang="en-GB" dirty="0">
                 <a:solidFill>
-                  <a:srgbClr val="FF0000"/>
+                  <a:schemeClr val="accent1"/>
                 </a:solidFill>
               </a:rPr>
               <a:t>for f in ${files}</a:t>
@@ -4416,7 +4416,7 @@
             <a:r>
               <a:rPr lang="en-GB" dirty="0">
                 <a:solidFill>
-                  <a:srgbClr val="FF0000"/>
+                  <a:schemeClr val="accent1"/>
                 </a:solidFill>
               </a:rPr>
               <a:t>do    </a:t>
@@ -4429,7 +4429,7 @@
             <a:r>
               <a:rPr lang="en-GB" dirty="0">
                 <a:solidFill>
-                  <a:srgbClr val="FF0000"/>
+                  <a:schemeClr val="accent1"/>
                 </a:solidFill>
               </a:rPr>
               <a:t>	echo ${f} &gt;&gt; </a:t>
@@ -4437,7 +4437,7 @@
             <a:r>
               <a:rPr lang="en-GB" dirty="0" err="1">
                 <a:solidFill>
-                  <a:srgbClr val="FF0000"/>
+                  <a:schemeClr val="accent1"/>
                 </a:solidFill>
               </a:rPr>
               <a:t>read_pairs.counts</a:t>
@@ -4445,7 +4445,7 @@
             <a:r>
               <a:rPr lang="en-GB" dirty="0">
                 <a:solidFill>
-                  <a:srgbClr val="FF0000"/>
+                  <a:schemeClr val="accent1"/>
                 </a:solidFill>
               </a:rPr>
               <a:t>    </a:t>
@@ -4458,7 +4458,7 @@
             <a:r>
               <a:rPr lang="en-GB" dirty="0">
                 <a:solidFill>
-                  <a:srgbClr val="FF0000"/>
+                  <a:schemeClr val="accent1"/>
                 </a:solidFill>
               </a:rPr>
               <a:t>	</a:t>
@@ -4466,7 +4466,7 @@
             <a:r>
               <a:rPr lang="en-GB" dirty="0" err="1">
                 <a:solidFill>
-                  <a:srgbClr val="FF0000"/>
+                  <a:schemeClr val="accent1"/>
                 </a:solidFill>
               </a:rPr>
               <a:t>zcat</a:t>
@@ -4474,7 +4474,7 @@
             <a:r>
               <a:rPr lang="en-GB" dirty="0">
                 <a:solidFill>
-                  <a:srgbClr val="FF0000"/>
+                  <a:schemeClr val="accent1"/>
                 </a:solidFill>
               </a:rPr>
               <a:t> ${f} | echo $((`</a:t>
@@ -4482,7 +4482,7 @@
             <a:r>
               <a:rPr lang="en-GB" dirty="0" err="1">
                 <a:solidFill>
-                  <a:srgbClr val="FF0000"/>
+                  <a:schemeClr val="accent1"/>
                 </a:solidFill>
               </a:rPr>
               <a:t>wc</a:t>
@@ -4490,7 +4490,7 @@
             <a:r>
               <a:rPr lang="en-GB" dirty="0">
                 <a:solidFill>
-                  <a:srgbClr val="FF0000"/>
+                  <a:schemeClr val="accent1"/>
                 </a:solidFill>
               </a:rPr>
               <a:t> -l`/4)) &gt;&gt; </a:t>
@@ -4498,14 +4498,14 @@
             <a:r>
               <a:rPr lang="en-GB" dirty="0" err="1">
                 <a:solidFill>
-                  <a:srgbClr val="FF0000"/>
+                  <a:schemeClr val="accent1"/>
                 </a:solidFill>
               </a:rPr>
               <a:t>read_pairs.counts</a:t>
             </a:r>
             <a:endParaRPr lang="en-GB" dirty="0">
               <a:solidFill>
-                <a:srgbClr val="FF0000"/>
+                <a:schemeClr val="accent1"/>
               </a:solidFill>
             </a:endParaRPr>
           </a:p>
@@ -4516,7 +4516,7 @@
             <a:r>
               <a:rPr lang="en-GB" dirty="0">
                 <a:solidFill>
-                  <a:srgbClr val="FF0000"/>
+                  <a:schemeClr val="accent1"/>
                 </a:solidFill>
               </a:rPr>
               <a:t>done</a:t>

--- a/powerpoint/3_basic_UNIX.pptx
+++ b/powerpoint/3_basic_UNIX.pptx
@@ -275,7 +275,7 @@
           <a:p>
             <a:fld id="{1E855DFA-625E-4F2B-9A42-1E05F98E1771}" type="datetimeFigureOut">
               <a:rPr lang="en-GB" smtClean="0"/>
-              <a:t>10/03/2022</a:t>
+              <a:t>13/03/2023</a:t>
             </a:fld>
             <a:endParaRPr lang="en-GB"/>
           </a:p>
@@ -475,7 +475,7 @@
           <a:p>
             <a:fld id="{1E855DFA-625E-4F2B-9A42-1E05F98E1771}" type="datetimeFigureOut">
               <a:rPr lang="en-GB" smtClean="0"/>
-              <a:t>10/03/2022</a:t>
+              <a:t>13/03/2023</a:t>
             </a:fld>
             <a:endParaRPr lang="en-GB"/>
           </a:p>
@@ -685,7 +685,7 @@
           <a:p>
             <a:fld id="{1E855DFA-625E-4F2B-9A42-1E05F98E1771}" type="datetimeFigureOut">
               <a:rPr lang="en-GB" smtClean="0"/>
-              <a:t>10/03/2022</a:t>
+              <a:t>13/03/2023</a:t>
             </a:fld>
             <a:endParaRPr lang="en-GB"/>
           </a:p>
@@ -885,7 +885,7 @@
           <a:p>
             <a:fld id="{1E855DFA-625E-4F2B-9A42-1E05F98E1771}" type="datetimeFigureOut">
               <a:rPr lang="en-GB" smtClean="0"/>
-              <a:t>10/03/2022</a:t>
+              <a:t>13/03/2023</a:t>
             </a:fld>
             <a:endParaRPr lang="en-GB"/>
           </a:p>
@@ -1161,7 +1161,7 @@
           <a:p>
             <a:fld id="{1E855DFA-625E-4F2B-9A42-1E05F98E1771}" type="datetimeFigureOut">
               <a:rPr lang="en-GB" smtClean="0"/>
-              <a:t>10/03/2022</a:t>
+              <a:t>13/03/2023</a:t>
             </a:fld>
             <a:endParaRPr lang="en-GB"/>
           </a:p>
@@ -1429,7 +1429,7 @@
           <a:p>
             <a:fld id="{1E855DFA-625E-4F2B-9A42-1E05F98E1771}" type="datetimeFigureOut">
               <a:rPr lang="en-GB" smtClean="0"/>
-              <a:t>10/03/2022</a:t>
+              <a:t>13/03/2023</a:t>
             </a:fld>
             <a:endParaRPr lang="en-GB"/>
           </a:p>
@@ -1844,7 +1844,7 @@
           <a:p>
             <a:fld id="{1E855DFA-625E-4F2B-9A42-1E05F98E1771}" type="datetimeFigureOut">
               <a:rPr lang="en-GB" smtClean="0"/>
-              <a:t>10/03/2022</a:t>
+              <a:t>13/03/2023</a:t>
             </a:fld>
             <a:endParaRPr lang="en-GB"/>
           </a:p>
@@ -1986,7 +1986,7 @@
           <a:p>
             <a:fld id="{1E855DFA-625E-4F2B-9A42-1E05F98E1771}" type="datetimeFigureOut">
               <a:rPr lang="en-GB" smtClean="0"/>
-              <a:t>10/03/2022</a:t>
+              <a:t>13/03/2023</a:t>
             </a:fld>
             <a:endParaRPr lang="en-GB"/>
           </a:p>
@@ -2099,7 +2099,7 @@
           <a:p>
             <a:fld id="{1E855DFA-625E-4F2B-9A42-1E05F98E1771}" type="datetimeFigureOut">
               <a:rPr lang="en-GB" smtClean="0"/>
-              <a:t>10/03/2022</a:t>
+              <a:t>13/03/2023</a:t>
             </a:fld>
             <a:endParaRPr lang="en-GB"/>
           </a:p>
@@ -2412,7 +2412,7 @@
           <a:p>
             <a:fld id="{1E855DFA-625E-4F2B-9A42-1E05F98E1771}" type="datetimeFigureOut">
               <a:rPr lang="en-GB" smtClean="0"/>
-              <a:t>10/03/2022</a:t>
+              <a:t>13/03/2023</a:t>
             </a:fld>
             <a:endParaRPr lang="en-GB"/>
           </a:p>
@@ -2701,7 +2701,7 @@
           <a:p>
             <a:fld id="{1E855DFA-625E-4F2B-9A42-1E05F98E1771}" type="datetimeFigureOut">
               <a:rPr lang="en-GB" smtClean="0"/>
-              <a:t>10/03/2022</a:t>
+              <a:t>13/03/2023</a:t>
             </a:fld>
             <a:endParaRPr lang="en-GB"/>
           </a:p>
@@ -2944,7 +2944,7 @@
           <a:p>
             <a:fld id="{1E855DFA-625E-4F2B-9A42-1E05F98E1771}" type="datetimeFigureOut">
               <a:rPr lang="en-GB" smtClean="0"/>
-              <a:t>10/03/2022</a:t>
+              <a:t>13/03/2023</a:t>
             </a:fld>
             <a:endParaRPr lang="en-GB"/>
           </a:p>
@@ -6452,7 +6452,7 @@
         </p:spPr>
         <p:txBody>
           <a:bodyPr>
-            <a:normAutofit/>
+            <a:normAutofit lnSpcReduction="10000"/>
           </a:bodyPr>
           <a:lstStyle/>
           <a:p>
@@ -6474,77 +6474,109 @@
             </a:r>
           </a:p>
           <a:p>
+            <a:r>
+              <a:rPr lang="en-GB" sz="2800" dirty="0">
+                <a:solidFill>
+                  <a:srgbClr val="FF0000"/>
+                </a:solidFill>
+              </a:rPr>
+              <a:t>Need to set up a </a:t>
+            </a:r>
+            <a:r>
+              <a:rPr lang="en-GB" sz="2800" dirty="0" err="1">
+                <a:solidFill>
+                  <a:srgbClr val="FF0000"/>
+                </a:solidFill>
+              </a:rPr>
+              <a:t>syn</a:t>
+            </a:r>
+            <a:r>
+              <a:rPr lang="en-GB" sz="2800" dirty="0">
+                <a:solidFill>
+                  <a:srgbClr val="FF0000"/>
+                </a:solidFill>
+              </a:rPr>
+              <a:t> link first???</a:t>
+            </a:r>
+          </a:p>
+          <a:p>
+            <a:r>
+              <a:rPr lang="en-GB" sz="2800" dirty="0">
+                <a:solidFill>
+                  <a:srgbClr val="FF0000"/>
+                </a:solidFill>
+              </a:rPr>
+              <a:t>cp -</a:t>
+            </a:r>
+            <a:r>
+              <a:rPr lang="en-GB" sz="2800" dirty="0" err="1">
+                <a:solidFill>
+                  <a:srgbClr val="FF0000"/>
+                </a:solidFill>
+              </a:rPr>
+              <a:t>rv</a:t>
+            </a:r>
+            <a:r>
+              <a:rPr lang="en-GB" sz="2800" dirty="0">
+                <a:solidFill>
+                  <a:srgbClr val="FF0000"/>
+                </a:solidFill>
+              </a:rPr>
+              <a:t> /scratch/</a:t>
+            </a:r>
+            <a:r>
+              <a:rPr lang="en-GB" sz="2800" dirty="0" err="1">
+                <a:solidFill>
+                  <a:srgbClr val="FF0000"/>
+                </a:solidFill>
+              </a:rPr>
+              <a:t>bioinf</a:t>
+            </a:r>
+            <a:r>
+              <a:rPr lang="en-GB" sz="2800" dirty="0">
+                <a:solidFill>
+                  <a:srgbClr val="FF0000"/>
+                </a:solidFill>
+              </a:rPr>
+              <a:t>/</a:t>
+            </a:r>
+            <a:r>
+              <a:rPr lang="en-GB" sz="2800" dirty="0" err="1">
+                <a:solidFill>
+                  <a:srgbClr val="FF0000"/>
+                </a:solidFill>
+              </a:rPr>
+              <a:t>digital_health</a:t>
+            </a:r>
+            <a:r>
+              <a:rPr lang="en-GB" sz="2800" dirty="0">
+                <a:solidFill>
+                  <a:srgbClr val="FF0000"/>
+                </a:solidFill>
+              </a:rPr>
+              <a:t> ~/scratch/</a:t>
+            </a:r>
+            <a:r>
+              <a:rPr lang="en-GB" sz="2800" dirty="0" err="1">
+                <a:solidFill>
+                  <a:srgbClr val="FF0000"/>
+                </a:solidFill>
+              </a:rPr>
+              <a:t>bioinf</a:t>
+            </a:r>
+            <a:r>
+              <a:rPr lang="en-GB" sz="2800" dirty="0">
+                <a:solidFill>
+                  <a:srgbClr val="FF0000"/>
+                </a:solidFill>
+              </a:rPr>
+              <a:t>/${USER}</a:t>
+            </a:r>
+          </a:p>
+          <a:p>
             <a:pPr marL="0" indent="0">
               <a:buNone/>
             </a:pPr>
-            <a:r>
-              <a:rPr lang="en-GB" dirty="0">
-                <a:solidFill>
-                  <a:srgbClr val="0070C0"/>
-                </a:solidFill>
-              </a:rPr>
-              <a:t>cp -</a:t>
-            </a:r>
-            <a:r>
-              <a:rPr lang="en-GB" dirty="0" err="1">
-                <a:solidFill>
-                  <a:srgbClr val="0070C0"/>
-                </a:solidFill>
-              </a:rPr>
-              <a:t>rv</a:t>
-            </a:r>
-            <a:r>
-              <a:rPr lang="en-GB" dirty="0">
-                <a:solidFill>
-                  <a:srgbClr val="0070C0"/>
-                </a:solidFill>
-              </a:rPr>
-              <a:t>  /storage/home/users/</a:t>
-            </a:r>
-            <a:r>
-              <a:rPr lang="en-GB" dirty="0" err="1">
-                <a:solidFill>
-                  <a:srgbClr val="0070C0"/>
-                </a:solidFill>
-              </a:rPr>
-              <a:t>Msc_Digital_Health</a:t>
-            </a:r>
-            <a:r>
-              <a:rPr lang="en-GB" dirty="0">
-                <a:solidFill>
-                  <a:srgbClr val="0070C0"/>
-                </a:solidFill>
-              </a:rPr>
-              <a:t>/   ~/	   </a:t>
-            </a:r>
-            <a:r>
-              <a:rPr lang="en-GB" dirty="0"/>
-              <a:t>(tip: </a:t>
-            </a:r>
-            <a:r>
-              <a:rPr lang="en-GB" dirty="0">
-                <a:solidFill>
-                  <a:srgbClr val="FF0000"/>
-                </a:solidFill>
-              </a:rPr>
-              <a:t>~</a:t>
-            </a:r>
-            <a:r>
-              <a:rPr lang="en-GB" dirty="0"/>
-              <a:t> is the                         same as </a:t>
-            </a:r>
-            <a:r>
-              <a:rPr lang="en-GB" dirty="0">
-                <a:solidFill>
-                  <a:srgbClr val="FF0000"/>
-                </a:solidFill>
-              </a:rPr>
-              <a:t>$HOME</a:t>
-            </a:r>
-            <a:r>
-              <a:rPr lang="en-GB" dirty="0"/>
-              <a:t>)</a:t>
-            </a:r>
             <a:endParaRPr lang="en-GB" dirty="0">
               <a:solidFill>
                 <a:srgbClr val="0070C0"/>
@@ -6557,12 +6589,16 @@
               <a:t>Change directory in </a:t>
             </a:r>
             <a:r>
+              <a:rPr lang="en-GB" dirty="0" err="1"/>
+              <a:t>d</a:t>
+            </a:r>
+            <a:r>
               <a:rPr lang="en-GB" dirty="0" err="1">
                 <a:solidFill>
                   <a:srgbClr val="0070C0"/>
                 </a:solidFill>
               </a:rPr>
-              <a:t>Msc_Digital_Health</a:t>
+              <a:t>igital_Health</a:t>
             </a:r>
             <a:r>
               <a:rPr lang="en-GB" dirty="0">
@@ -6595,7 +6631,7 @@
                   <a:srgbClr val="0070C0"/>
                 </a:solidFill>
               </a:rPr>
-              <a:t>Msc_Digital_Health</a:t>
+              <a:t>digital_Health</a:t>
             </a:r>
             <a:r>
               <a:rPr lang="en-GB" dirty="0">
@@ -6928,85 +6964,40 @@
               <a:buNone/>
             </a:pPr>
             <a:r>
-              <a:rPr lang="en-GB" sz="2400" dirty="0">
+              <a:rPr lang="en-GB" i="1" dirty="0">
+                <a:solidFill>
+                  <a:srgbClr val="FF0000"/>
+                </a:solidFill>
+              </a:rPr>
+              <a:t>“Drag and drop” </a:t>
+            </a:r>
+            <a:r>
+              <a:rPr lang="en-GB" dirty="0">
+                <a:solidFill>
+                  <a:srgbClr val="FF0000"/>
+                </a:solidFill>
+              </a:rPr>
+              <a:t>way</a:t>
+            </a:r>
+            <a:r>
+              <a:rPr lang="en-GB" dirty="0"/>
+              <a:t>: go into the </a:t>
+            </a:r>
+            <a:r>
+              <a:rPr lang="en-GB" dirty="0">
                 <a:solidFill>
                   <a:srgbClr val="0070C0"/>
                 </a:solidFill>
               </a:rPr>
-              <a:t>cp -</a:t>
-            </a:r>
-            <a:r>
-              <a:rPr lang="en-GB" sz="2400" dirty="0" err="1">
+              <a:t>~/</a:t>
+            </a:r>
+            <a:r>
+              <a:rPr lang="en-GB" dirty="0" err="1">
                 <a:solidFill>
                   <a:srgbClr val="0070C0"/>
                 </a:solidFill>
               </a:rPr>
-              <a:t>rv</a:t>
-            </a:r>
-            <a:r>
-              <a:rPr lang="en-GB" sz="2400" dirty="0">
-                <a:solidFill>
-                  <a:srgbClr val="0070C0"/>
-                </a:solidFill>
-              </a:rPr>
-              <a:t>  /storage/home/users/</a:t>
-            </a:r>
-            <a:r>
-              <a:rPr lang="en-GB" sz="2400" dirty="0" err="1">
-                <a:solidFill>
-                  <a:srgbClr val="0070C0"/>
-                </a:solidFill>
-              </a:rPr>
-              <a:t>Msc_Digital_Health</a:t>
-            </a:r>
-            <a:r>
-              <a:rPr lang="en-GB" sz="2400" dirty="0">
-                <a:solidFill>
-                  <a:srgbClr val="0070C0"/>
-                </a:solidFill>
-              </a:rPr>
-              <a:t>/   ~/</a:t>
-            </a:r>
-          </a:p>
-          <a:p>
-            <a:pPr marL="0" indent="0">
-              <a:buNone/>
-            </a:pPr>
-            <a:r>
-              <a:rPr lang="en-GB" i="1" dirty="0">
-                <a:solidFill>
-                  <a:srgbClr val="FF0000"/>
-                </a:solidFill>
-              </a:rPr>
-              <a:t>“Drag and drop” </a:t>
-            </a:r>
-            <a:r>
-              <a:rPr lang="en-GB" dirty="0">
-                <a:solidFill>
-                  <a:srgbClr val="FF0000"/>
-                </a:solidFill>
-              </a:rPr>
-              <a:t>way</a:t>
-            </a:r>
-            <a:r>
-              <a:rPr lang="en-GB" dirty="0"/>
-              <a:t>: go into the </a:t>
-            </a:r>
-            <a:r>
-              <a:rPr lang="en-GB" dirty="0">
-                <a:solidFill>
-                  <a:srgbClr val="0070C0"/>
-                </a:solidFill>
-              </a:rPr>
-              <a:t>~/</a:t>
-            </a:r>
-            <a:r>
-              <a:rPr lang="en-GB" dirty="0" err="1">
-                <a:solidFill>
-                  <a:srgbClr val="0070C0"/>
-                </a:solidFill>
-              </a:rPr>
-              <a:t>Msc_Digital_Health</a:t>
+              <a:t>digital_Health</a:t>
             </a:r>
             <a:r>
               <a:rPr lang="en-GB" dirty="0">
@@ -7122,53 +7113,6 @@
                 <a:srgbClr val="FFFF00"/>
               </a:highlight>
             </a:endParaRPr>
-          </a:p>
-        </p:txBody>
-      </p:sp>
-      <p:sp>
-        <p:nvSpPr>
-          <p:cNvPr id="5" name="Rectangle 4">
-            <a:extLst>
-              <a:ext uri="{FF2B5EF4-FFF2-40B4-BE49-F238E27FC236}">
-                <a16:creationId xmlns:a16="http://schemas.microsoft.com/office/drawing/2014/main" id="{F30289E7-AFD1-4447-9D64-1B10D9D95569}"/>
-              </a:ext>
-            </a:extLst>
-          </p:cNvPr>
-          <p:cNvSpPr/>
-          <p:nvPr/>
-        </p:nvSpPr>
-        <p:spPr>
-          <a:xfrm>
-            <a:off x="158750" y="1261641"/>
-            <a:ext cx="9533890" cy="638279"/>
-          </a:xfrm>
-          <a:prstGeom prst="rect">
-            <a:avLst/>
-          </a:prstGeom>
-          <a:noFill/>
-        </p:spPr>
-        <p:style>
-          <a:lnRef idx="2">
-            <a:schemeClr val="accent1">
-              <a:shade val="50000"/>
-            </a:schemeClr>
-          </a:lnRef>
-          <a:fillRef idx="1">
-            <a:schemeClr val="accent1"/>
-          </a:fillRef>
-          <a:effectRef idx="0">
-            <a:schemeClr val="accent1"/>
-          </a:effectRef>
-          <a:fontRef idx="minor">
-            <a:schemeClr val="lt1"/>
-          </a:fontRef>
-        </p:style>
-        <p:txBody>
-          <a:bodyPr rtlCol="0" anchor="ctr"/>
-          <a:lstStyle/>
-          <a:p>
-            <a:pPr algn="ctr"/>
-            <a:endParaRPr lang="en-GB" dirty="0"/>
           </a:p>
         </p:txBody>
       </p:sp>
